--- a/presentation_slides.pptx
+++ b/presentation_slides.pptx
@@ -115,6 +115,11 @@
       </a:defRPr>
     </a:lvl9pPr>
   </p:defaultTextStyle>
+  <p:extLst>
+    <p:ext uri="{EFAFB233-063F-42B5-8137-9DF3F51BA10A}">
+      <p15:sldGuideLst xmlns:p15="http://schemas.microsoft.com/office/powerpoint/2012/main"/>
+    </p:ext>
+  </p:extLst>
 </p:presentation>
 </file>
 
@@ -257,7 +262,7 @@
           <a:p>
             <a:fld id="{A423BF71-38B7-8642-BFCE-EDAE9BD0CBAF}" type="datetimeFigureOut">
               <a:rPr lang="en-US" smtClean="0"/>
-              <a:t>12/3/2016</a:t>
+              <a:t>12/19/2016</a:t>
             </a:fld>
             <a:endParaRPr lang="en-US" dirty="0"/>
           </a:p>
@@ -474,7 +479,7 @@
           <a:p>
             <a:fld id="{73B025CB-9D18-264E-A945-2D020344C9DA}" type="datetimeFigureOut">
               <a:rPr lang="en-US" smtClean="0"/>
-              <a:t>12/3/2016</a:t>
+              <a:t>12/19/2016</a:t>
             </a:fld>
             <a:endParaRPr lang="en-US" dirty="0"/>
           </a:p>
@@ -695,7 +700,7 @@
           <a:p>
             <a:fld id="{507EFB6C-7E96-8F41-8872-189CA1C59F84}" type="datetimeFigureOut">
               <a:rPr lang="en-US" smtClean="0"/>
-              <a:t>12/3/2016</a:t>
+              <a:t>12/19/2016</a:t>
             </a:fld>
             <a:endParaRPr lang="en-US" dirty="0"/>
           </a:p>
@@ -902,7 +907,7 @@
           <a:p>
             <a:fld id="{B6981CDE-9BE7-C544-8ACB-7077DFC4270F}" type="datetimeFigureOut">
               <a:rPr lang="en-US" smtClean="0"/>
-              <a:t>12/3/2016</a:t>
+              <a:t>12/19/2016</a:t>
             </a:fld>
             <a:endParaRPr lang="en-US" dirty="0"/>
           </a:p>
@@ -1187,7 +1192,7 @@
           <a:p>
             <a:fld id="{B55BA285-9698-1B45-8319-D90A8C63F150}" type="datetimeFigureOut">
               <a:rPr lang="en-US" smtClean="0"/>
-              <a:t>12/3/2016</a:t>
+              <a:t>12/19/2016</a:t>
             </a:fld>
             <a:endParaRPr lang="en-US" dirty="0"/>
           </a:p>
@@ -1461,7 +1466,7 @@
           <a:p>
             <a:fld id="{0A86CD42-43FF-B740-998F-DCC3802C4CE3}" type="datetimeFigureOut">
               <a:rPr lang="en-US" smtClean="0"/>
-              <a:t>12/3/2016</a:t>
+              <a:t>12/19/2016</a:t>
             </a:fld>
             <a:endParaRPr lang="en-US" dirty="0"/>
           </a:p>
@@ -1883,7 +1888,7 @@
           <a:p>
             <a:fld id="{CEA0FFBD-2EE4-8547-BBAE-A1AC91C8D77E}" type="datetimeFigureOut">
               <a:rPr lang="en-US" smtClean="0"/>
-              <a:t>12/3/2016</a:t>
+              <a:t>12/19/2016</a:t>
             </a:fld>
             <a:endParaRPr lang="en-US" dirty="0"/>
           </a:p>
@@ -2038,7 +2043,7 @@
           <a:p>
             <a:fld id="{955A2352-D7AC-F242-9256-A4477BCBF354}" type="datetimeFigureOut">
               <a:rPr lang="en-US" smtClean="0"/>
-              <a:t>12/3/2016</a:t>
+              <a:t>12/19/2016</a:t>
             </a:fld>
             <a:endParaRPr lang="en-US" dirty="0"/>
           </a:p>
@@ -2170,7 +2175,7 @@
           <a:p>
             <a:fld id="{4EFCFC6A-9AE6-404D-9FDD-168B477B9C90}" type="datetimeFigureOut">
               <a:rPr lang="en-US" smtClean="0"/>
-              <a:t>12/3/2016</a:t>
+              <a:t>12/19/2016</a:t>
             </a:fld>
             <a:endParaRPr lang="en-US" dirty="0"/>
           </a:p>
@@ -2423,7 +2428,7 @@
           <a:p>
             <a:fld id="{61CFCDFD-B4CF-A241-8D71-E814B10BEAF4}" type="datetimeFigureOut">
               <a:rPr lang="en-US" smtClean="0"/>
-              <a:t>12/3/2016</a:t>
+              <a:t>12/19/2016</a:t>
             </a:fld>
             <a:endParaRPr lang="en-US" dirty="0"/>
           </a:p>
@@ -2878,7 +2883,7 @@
           <a:p>
             <a:fld id="{26A7B589-FD4B-7E46-869A-CBADC5FC564E}" type="datetimeFigureOut">
               <a:rPr lang="en-US" smtClean="0"/>
-              <a:t>12/3/2016</a:t>
+              <a:t>12/19/2016</a:t>
             </a:fld>
             <a:endParaRPr lang="en-US" dirty="0"/>
           </a:p>
@@ -3204,7 +3209,7 @@
           <a:p>
             <a:fld id="{4CD8A92E-5FF9-8143-81B3-CCB531513398}" type="datetimeFigureOut">
               <a:rPr lang="en-US" smtClean="0"/>
-              <a:t>12/3/2016</a:t>
+              <a:t>12/19/2016</a:t>
             </a:fld>
             <a:endParaRPr lang="en-US" dirty="0"/>
           </a:p>
@@ -3801,18 +3806,6 @@
               </a:rPr>
               <a:t>https://github.com/KevinWang15/network-pj-chatroom</a:t>
             </a:r>
-            <a:endParaRPr lang="en-US" u="sng" dirty="0">
-              <a:solidFill>
-                <a:srgbClr val="00B0F0"/>
-              </a:solidFill>
-              <a:effectLst>
-                <a:outerShdw blurRad="38100" dist="38100" dir="2700000" algn="tl">
-                  <a:srgbClr val="000000">
-                    <a:alpha val="43137"/>
-                  </a:srgbClr>
-                </a:outerShdw>
-              </a:effectLst>
-            </a:endParaRPr>
           </a:p>
         </p:txBody>
       </p:sp>
@@ -3907,18 +3900,6 @@
               </a:rPr>
               <a:t>https://github.com/KevinWang15/network-pj-chatroom</a:t>
             </a:r>
-            <a:endParaRPr lang="en-US" u="sng" dirty="0">
-              <a:solidFill>
-                <a:srgbClr val="00B0F0"/>
-              </a:solidFill>
-              <a:effectLst>
-                <a:outerShdw blurRad="38100" dist="38100" dir="2700000" algn="tl">
-                  <a:srgbClr val="000000">
-                    <a:alpha val="43137"/>
-                  </a:srgbClr>
-                </a:outerShdw>
-              </a:effectLst>
-            </a:endParaRPr>
           </a:p>
         </p:txBody>
       </p:sp>
@@ -4198,18 +4179,6 @@
               </a:rPr>
               <a:t>https://github.com/KevinWang15/network-pj-chatroom</a:t>
             </a:r>
-            <a:endParaRPr lang="en-US" u="sng" dirty="0">
-              <a:solidFill>
-                <a:srgbClr val="00B0F0"/>
-              </a:solidFill>
-              <a:effectLst>
-                <a:outerShdw blurRad="38100" dist="38100" dir="2700000" algn="tl">
-                  <a:srgbClr val="000000">
-                    <a:alpha val="43137"/>
-                  </a:srgbClr>
-                </a:outerShdw>
-              </a:effectLst>
-            </a:endParaRPr>
           </a:p>
         </p:txBody>
       </p:sp>
@@ -4855,18 +4824,6 @@
               </a:rPr>
               <a:t>https://github.com/KevinWang15/network-pj-chatroom</a:t>
             </a:r>
-            <a:endParaRPr lang="en-US" u="sng" dirty="0">
-              <a:solidFill>
-                <a:srgbClr val="00B0F0"/>
-              </a:solidFill>
-              <a:effectLst>
-                <a:outerShdw blurRad="38100" dist="38100" dir="2700000" algn="tl">
-                  <a:srgbClr val="000000">
-                    <a:alpha val="43137"/>
-                  </a:srgbClr>
-                </a:outerShdw>
-              </a:effectLst>
-            </a:endParaRPr>
           </a:p>
         </p:txBody>
       </p:sp>
@@ -5028,18 +4985,6 @@
               </a:rPr>
               <a:t>https://github.com/KevinWang15/network-pj-chatroom</a:t>
             </a:r>
-            <a:endParaRPr lang="en-US" u="sng" dirty="0">
-              <a:solidFill>
-                <a:srgbClr val="00B0F0"/>
-              </a:solidFill>
-              <a:effectLst>
-                <a:outerShdw blurRad="38100" dist="38100" dir="2700000" algn="tl">
-                  <a:srgbClr val="000000">
-                    <a:alpha val="43137"/>
-                  </a:srgbClr>
-                </a:outerShdw>
-              </a:effectLst>
-            </a:endParaRPr>
           </a:p>
         </p:txBody>
       </p:sp>
@@ -5279,18 +5224,6 @@
               </a:rPr>
               <a:t>https://github.com/KevinWang15/network-pj-chatroom</a:t>
             </a:r>
-            <a:endParaRPr lang="en-US" u="sng" dirty="0">
-              <a:solidFill>
-                <a:srgbClr val="00B0F0"/>
-              </a:solidFill>
-              <a:effectLst>
-                <a:outerShdw blurRad="38100" dist="38100" dir="2700000" algn="tl">
-                  <a:srgbClr val="000000">
-                    <a:alpha val="43137"/>
-                  </a:srgbClr>
-                </a:outerShdw>
-              </a:effectLst>
-            </a:endParaRPr>
           </a:p>
         </p:txBody>
       </p:sp>
@@ -5362,18 +5295,6 @@
               </a:rPr>
               <a:t>https://github.com/KevinWang15/network-pj-chatroom</a:t>
             </a:r>
-            <a:endParaRPr lang="en-US" u="sng" dirty="0">
-              <a:solidFill>
-                <a:srgbClr val="00B0F0"/>
-              </a:solidFill>
-              <a:effectLst>
-                <a:outerShdw blurRad="38100" dist="38100" dir="2700000" algn="tl">
-                  <a:srgbClr val="000000">
-                    <a:alpha val="43137"/>
-                  </a:srgbClr>
-                </a:outerShdw>
-              </a:effectLst>
-            </a:endParaRPr>
           </a:p>
         </p:txBody>
       </p:sp>
@@ -6617,18 +6538,6 @@
               </a:rPr>
               <a:t>https://github.com/KevinWang15/network-pj-chatroom</a:t>
             </a:r>
-            <a:endParaRPr lang="en-US" u="sng" dirty="0">
-              <a:solidFill>
-                <a:srgbClr val="00B0F0"/>
-              </a:solidFill>
-              <a:effectLst>
-                <a:outerShdw blurRad="38100" dist="38100" dir="2700000" algn="tl">
-                  <a:srgbClr val="000000">
-                    <a:alpha val="43137"/>
-                  </a:srgbClr>
-                </a:outerShdw>
-              </a:effectLst>
-            </a:endParaRPr>
           </a:p>
         </p:txBody>
       </p:sp>
@@ -6873,18 +6782,6 @@
               </a:rPr>
               <a:t>https://github.com/KevinWang15/network-pj-chatroom</a:t>
             </a:r>
-            <a:endParaRPr lang="en-US" u="sng" dirty="0">
-              <a:solidFill>
-                <a:srgbClr val="00B0F0"/>
-              </a:solidFill>
-              <a:effectLst>
-                <a:outerShdw blurRad="38100" dist="38100" dir="2700000" algn="tl">
-                  <a:srgbClr val="000000">
-                    <a:alpha val="43137"/>
-                  </a:srgbClr>
-                </a:outerShdw>
-              </a:effectLst>
-            </a:endParaRPr>
           </a:p>
         </p:txBody>
       </p:sp>
@@ -7092,18 +6989,6 @@
               </a:rPr>
               <a:t>https://github.com/KevinWang15/network-pj-chatroom</a:t>
             </a:r>
-            <a:endParaRPr lang="en-US" u="sng" dirty="0">
-              <a:solidFill>
-                <a:srgbClr val="00B0F0"/>
-              </a:solidFill>
-              <a:effectLst>
-                <a:outerShdw blurRad="38100" dist="38100" dir="2700000" algn="tl">
-                  <a:srgbClr val="000000">
-                    <a:alpha val="43137"/>
-                  </a:srgbClr>
-                </a:outerShdw>
-              </a:effectLst>
-            </a:endParaRPr>
           </a:p>
         </p:txBody>
       </p:sp>
@@ -7248,7 +7133,7 @@
           <p:nvPr>
             <p:extLst>
               <p:ext uri="{D42A27DB-BD31-4B8C-83A1-F6EECF244321}">
-                <p14:modId xmlns:p14="http://schemas.microsoft.com/office/powerpoint/2010/main" val="2132059690"/>
+                <p14:modId xmlns:p14="http://schemas.microsoft.com/office/powerpoint/2010/main" val="1397369252"/>
               </p:ext>
             </p:extLst>
           </p:nvPr>
@@ -7303,7 +7188,6 @@
                         <a:rPr lang="en-US" dirty="0"/>
                         <a:t>Length of Message Body (4Bytes)</a:t>
                       </a:r>
-                      <a:endParaRPr lang="en-US" dirty="0"/>
                     </a:p>
                   </a:txBody>
                   <a:tcPr/>
@@ -7317,7 +7201,6 @@
                         <a:rPr lang="en-US" dirty="0"/>
                         <a:t>Length of AES padding (1Byte)</a:t>
                       </a:r>
-                      <a:endParaRPr lang="en-US" dirty="0"/>
                     </a:p>
                   </a:txBody>
                   <a:tcPr/>
@@ -7331,7 +7214,6 @@
                         <a:rPr lang="en-US" dirty="0"/>
                         <a:t>AES IV (16Bytes)</a:t>
                       </a:r>
-                      <a:endParaRPr lang="en-US" dirty="0"/>
                     </a:p>
                   </a:txBody>
                   <a:tcPr/>
@@ -7415,7 +7297,7 @@
           <p:nvPr>
             <p:extLst>
               <p:ext uri="{D42A27DB-BD31-4B8C-83A1-F6EECF244321}">
-                <p14:modId xmlns:p14="http://schemas.microsoft.com/office/powerpoint/2010/main" val="3135485640"/>
+                <p14:modId xmlns:p14="http://schemas.microsoft.com/office/powerpoint/2010/main" val="995796422"/>
               </p:ext>
             </p:extLst>
           </p:nvPr>
@@ -7468,7 +7350,6 @@
                         <a:rPr lang="en-US" dirty="0"/>
                         <a:t>(4Bytes)</a:t>
                       </a:r>
-                      <a:endParaRPr lang="en-US" dirty="0"/>
                     </a:p>
                   </a:txBody>
                   <a:tcPr/>
@@ -7480,9 +7361,16 @@
                     <a:p>
                       <a:r>
                         <a:rPr lang="en-US" dirty="0"/>
-                        <a:t>Array of parameters..</a:t>
+                        <a:t>Parameter (Level 3</a:t>
                       </a:r>
-                      <a:endParaRPr lang="en-US" dirty="0"/>
+                      <a:r>
+                        <a:rPr lang="en-US" baseline="0" dirty="0"/>
+                        <a:t> Data Pack</a:t>
+                      </a:r>
+                      <a:r>
+                        <a:rPr lang="en-US" dirty="0"/>
+                        <a:t>)</a:t>
+                      </a:r>
                     </a:p>
                   </a:txBody>
                   <a:tcPr/>
@@ -7506,7 +7394,7 @@
         <p:spPr>
           <a:xfrm>
             <a:off x="914400" y="4700632"/>
-            <a:ext cx="2377574" cy="369332"/>
+            <a:ext cx="1685077" cy="369332"/>
           </a:xfrm>
           <a:prstGeom prst="rect">
             <a:avLst/>
@@ -7529,7 +7417,7 @@
             </a:r>
             <a:r>
               <a:rPr lang="zh-CN" altLang="en-US" dirty="0"/>
-              <a:t>（每一个参数）：</a:t>
+              <a:t>（参数）：</a:t>
             </a:r>
             <a:endParaRPr lang="en-US" dirty="0"/>
           </a:p>
@@ -7544,7 +7432,7 @@
           <p:nvPr>
             <p:extLst>
               <p:ext uri="{D42A27DB-BD31-4B8C-83A1-F6EECF244321}">
-                <p14:modId xmlns:p14="http://schemas.microsoft.com/office/powerpoint/2010/main" val="4251232760"/>
+                <p14:modId xmlns:p14="http://schemas.microsoft.com/office/powerpoint/2010/main" val="4144409714"/>
               </p:ext>
             </p:extLst>
           </p:nvPr>
@@ -7638,9 +7526,8 @@
                       </a:r>
                       <a:r>
                         <a:rPr lang="en-US" dirty="0"/>
-                        <a:t>(1Bytes)</a:t>
+                        <a:t>(1Byte)</a:t>
                       </a:r>
-                      <a:endParaRPr lang="en-US" dirty="0"/>
                     </a:p>
                   </a:txBody>
                   <a:tcPr/>
@@ -7773,18 +7660,6 @@
               </a:rPr>
               <a:t>https://github.com/KevinWang15/network-pj-chatroom</a:t>
             </a:r>
-            <a:endParaRPr lang="en-US" u="sng" dirty="0">
-              <a:solidFill>
-                <a:srgbClr val="00B0F0"/>
-              </a:solidFill>
-              <a:effectLst>
-                <a:outerShdw blurRad="38100" dist="38100" dir="2700000" algn="tl">
-                  <a:srgbClr val="000000">
-                    <a:alpha val="43137"/>
-                  </a:srgbClr>
-                </a:outerShdw>
-              </a:effectLst>
-            </a:endParaRPr>
           </a:p>
         </p:txBody>
       </p:sp>
@@ -7928,7 +7803,7 @@
           <p:nvPr>
             <p:extLst>
               <p:ext uri="{D42A27DB-BD31-4B8C-83A1-F6EECF244321}">
-                <p14:modId xmlns:p14="http://schemas.microsoft.com/office/powerpoint/2010/main" val="3462749919"/>
+                <p14:modId xmlns:p14="http://schemas.microsoft.com/office/powerpoint/2010/main" val="2976269583"/>
               </p:ext>
             </p:extLst>
           </p:nvPr>
@@ -8060,7 +7935,7 @@
           <p:nvPr>
             <p:extLst>
               <p:ext uri="{D42A27DB-BD31-4B8C-83A1-F6EECF244321}">
-                <p14:modId xmlns:p14="http://schemas.microsoft.com/office/powerpoint/2010/main" val="195325873"/>
+                <p14:modId xmlns:p14="http://schemas.microsoft.com/office/powerpoint/2010/main" val="1257059438"/>
               </p:ext>
             </p:extLst>
           </p:nvPr>
@@ -8247,7 +8122,7 @@
           <p:nvPr>
             <p:extLst>
               <p:ext uri="{D42A27DB-BD31-4B8C-83A1-F6EECF244321}">
-                <p14:modId xmlns:p14="http://schemas.microsoft.com/office/powerpoint/2010/main" val="1369025711"/>
+                <p14:modId xmlns:p14="http://schemas.microsoft.com/office/powerpoint/2010/main" val="2307917741"/>
               </p:ext>
             </p:extLst>
           </p:nvPr>
@@ -8308,7 +8183,6 @@
                         <a:rPr lang="en-US" dirty="0"/>
                         <a:t>(1 Byte)</a:t>
                       </a:r>
-                      <a:endParaRPr lang="en-US" dirty="0"/>
                     </a:p>
                   </a:txBody>
                   <a:tcPr/>
@@ -8480,18 +8354,6 @@
               </a:rPr>
               <a:t>https://github.com/KevinWang15/network-pj-chatroom</a:t>
             </a:r>
-            <a:endParaRPr lang="en-US" u="sng" dirty="0">
-              <a:solidFill>
-                <a:srgbClr val="00B0F0"/>
-              </a:solidFill>
-              <a:effectLst>
-                <a:outerShdw blurRad="38100" dist="38100" dir="2700000" algn="tl">
-                  <a:srgbClr val="000000">
-                    <a:alpha val="43137"/>
-                  </a:srgbClr>
-                </a:outerShdw>
-              </a:effectLst>
-            </a:endParaRPr>
           </a:p>
         </p:txBody>
       </p:sp>
